--- a/rough-diag.pptx
+++ b/rough-diag.pptx
@@ -5,7 +5,7 @@
     <p:sldMasterId id="2147483648" r:id="rId1"/>
   </p:sldMasterIdLst>
   <p:notesMasterIdLst>
-    <p:notesMasterId r:id="rId8"/>
+    <p:notesMasterId r:id="rId9"/>
   </p:notesMasterIdLst>
   <p:sldIdLst>
     <p:sldId id="700" r:id="rId2"/>
@@ -14,6 +14,7 @@
     <p:sldId id="703" r:id="rId5"/>
     <p:sldId id="704" r:id="rId6"/>
     <p:sldId id="705" r:id="rId7"/>
+    <p:sldId id="706" r:id="rId8"/>
   </p:sldIdLst>
   <p:sldSz cx="9144000" cy="5715000" type="screen16x10"/>
   <p:notesSz cx="6858000" cy="9144000"/>
@@ -7992,6 +7993,433 @@
               <a:t>nexus</a:t>
             </a:r>
             <a:endParaRPr lang="en-US" dirty="0"/>
+          </a:p>
+        </p:txBody>
+      </p:sp>
+    </p:spTree>
+  </p:cSld>
+  <p:clrMapOvr>
+    <a:masterClrMapping/>
+  </p:clrMapOvr>
+</p:sld>
+</file>
+
+<file path=ppt/slides/slide7.xml><?xml version="1.0" encoding="utf-8"?>
+<p:sld xmlns:a="http://schemas.openxmlformats.org/drawingml/2006/main" xmlns:r="http://schemas.openxmlformats.org/officeDocument/2006/relationships" xmlns:p="http://schemas.openxmlformats.org/presentationml/2006/main">
+  <p:cSld>
+    <p:spTree>
+      <p:nvGrpSpPr>
+        <p:cNvPr id="1" name=""/>
+        <p:cNvGrpSpPr/>
+        <p:nvPr/>
+      </p:nvGrpSpPr>
+      <p:grpSpPr>
+        <a:xfrm>
+          <a:off x="0" y="0"/>
+          <a:ext cx="0" cy="0"/>
+          <a:chOff x="0" y="0"/>
+          <a:chExt cx="0" cy="0"/>
+        </a:xfrm>
+      </p:grpSpPr>
+      <p:sp>
+        <p:nvSpPr>
+          <p:cNvPr id="6" name="Rectangle 5"/>
+          <p:cNvSpPr/>
+          <p:nvPr/>
+        </p:nvSpPr>
+        <p:spPr>
+          <a:xfrm>
+            <a:off x="3048000" y="266700"/>
+            <a:ext cx="5638800" cy="4876800"/>
+          </a:xfrm>
+          <a:prstGeom prst="rect">
+            <a:avLst/>
+          </a:prstGeom>
+          <a:noFill/>
+        </p:spPr>
+        <p:style>
+          <a:lnRef idx="2">
+            <a:schemeClr val="accent1">
+              <a:shade val="50000"/>
+            </a:schemeClr>
+          </a:lnRef>
+          <a:fillRef idx="1">
+            <a:schemeClr val="accent1"/>
+          </a:fillRef>
+          <a:effectRef idx="0">
+            <a:schemeClr val="accent1"/>
+          </a:effectRef>
+          <a:fontRef idx="minor">
+            <a:schemeClr val="lt1"/>
+          </a:fontRef>
+        </p:style>
+        <p:txBody>
+          <a:bodyPr rtlCol="0" anchor="ctr"/>
+          <a:lstStyle/>
+          <a:p>
+            <a:pPr algn="ctr"/>
+            <a:endParaRPr lang="en-US"/>
+          </a:p>
+        </p:txBody>
+      </p:sp>
+      <p:sp>
+        <p:nvSpPr>
+          <p:cNvPr id="7" name="Oval 6"/>
+          <p:cNvSpPr/>
+          <p:nvPr/>
+        </p:nvSpPr>
+        <p:spPr>
+          <a:xfrm>
+            <a:off x="3429000" y="342900"/>
+            <a:ext cx="2819400" cy="1600200"/>
+          </a:xfrm>
+          <a:prstGeom prst="ellipse">
+            <a:avLst/>
+          </a:prstGeom>
+        </p:spPr>
+        <p:style>
+          <a:lnRef idx="2">
+            <a:schemeClr val="accent1">
+              <a:shade val="50000"/>
+            </a:schemeClr>
+          </a:lnRef>
+          <a:fillRef idx="1">
+            <a:schemeClr val="accent1"/>
+          </a:fillRef>
+          <a:effectRef idx="0">
+            <a:schemeClr val="accent1"/>
+          </a:effectRef>
+          <a:fontRef idx="minor">
+            <a:schemeClr val="lt1"/>
+          </a:fontRef>
+        </p:style>
+        <p:txBody>
+          <a:bodyPr rtlCol="0" anchor="ctr"/>
+          <a:lstStyle/>
+          <a:p>
+            <a:pPr algn="ctr"/>
+            <a:r>
+              <a:rPr lang="en-US" dirty="0" smtClean="0"/>
+              <a:t>Apache</a:t>
+            </a:r>
+          </a:p>
+          <a:p>
+            <a:pPr algn="ctr"/>
+            <a:r>
+              <a:rPr lang="en-US" dirty="0" smtClean="0"/>
+              <a:t>/</a:t>
+            </a:r>
+            <a:r>
+              <a:rPr lang="en-US" dirty="0" err="1" smtClean="0"/>
+              <a:t>var</a:t>
+            </a:r>
+            <a:r>
+              <a:rPr lang="en-US" dirty="0" smtClean="0"/>
+              <a:t>/log/apache2</a:t>
+            </a:r>
+          </a:p>
+          <a:p>
+            <a:pPr algn="ctr"/>
+            <a:r>
+              <a:rPr lang="en-US" dirty="0" smtClean="0"/>
+              <a:t>          access.log and error.log</a:t>
+            </a:r>
+            <a:endParaRPr lang="en-US" dirty="0"/>
+          </a:p>
+        </p:txBody>
+      </p:sp>
+      <p:sp>
+        <p:nvSpPr>
+          <p:cNvPr id="8" name="Rectangle 7"/>
+          <p:cNvSpPr/>
+          <p:nvPr/>
+        </p:nvSpPr>
+        <p:spPr>
+          <a:xfrm>
+            <a:off x="4267200" y="2019300"/>
+            <a:ext cx="4572000" cy="461665"/>
+          </a:xfrm>
+          <a:prstGeom prst="rect">
+            <a:avLst/>
+          </a:prstGeom>
+        </p:spPr>
+        <p:txBody>
+          <a:bodyPr>
+            <a:spAutoFit/>
+          </a:bodyPr>
+          <a:lstStyle/>
+          <a:p>
+            <a:r>
+              <a:rPr lang="en-US" sz="1200" dirty="0" smtClean="0"/>
+              <a:t>/</a:t>
+            </a:r>
+            <a:r>
+              <a:rPr lang="en-US" sz="1200" dirty="0" err="1" smtClean="0"/>
+              <a:t>var</a:t>
+            </a:r>
+            <a:r>
+              <a:rPr lang="en-US" sz="1200" dirty="0" smtClean="0"/>
+              <a:t>/lib/</a:t>
+            </a:r>
+            <a:r>
+              <a:rPr lang="en-US" sz="1200" dirty="0" err="1" smtClean="0"/>
+              <a:t>docker</a:t>
+            </a:r>
+            <a:r>
+              <a:rPr lang="en-US" sz="1200" dirty="0" smtClean="0"/>
+              <a:t>/volumes/9d6c796783d449f5e1bd76c2f3211491bb660561aff818c116e84e997d2e0c34/_data</a:t>
+            </a:r>
+            <a:endParaRPr lang="en-US" sz="1200" dirty="0"/>
+          </a:p>
+        </p:txBody>
+      </p:sp>
+      <p:sp>
+        <p:nvSpPr>
+          <p:cNvPr id="9" name="Down Arrow 8"/>
+          <p:cNvSpPr/>
+          <p:nvPr/>
+        </p:nvSpPr>
+        <p:spPr>
+          <a:xfrm>
+            <a:off x="5257800" y="1638300"/>
+            <a:ext cx="457200" cy="533400"/>
+          </a:xfrm>
+          <a:prstGeom prst="downArrow">
+            <a:avLst/>
+          </a:prstGeom>
+        </p:spPr>
+        <p:style>
+          <a:lnRef idx="2">
+            <a:schemeClr val="accent1">
+              <a:shade val="50000"/>
+            </a:schemeClr>
+          </a:lnRef>
+          <a:fillRef idx="1">
+            <a:schemeClr val="accent1"/>
+          </a:fillRef>
+          <a:effectRef idx="0">
+            <a:schemeClr val="accent1"/>
+          </a:effectRef>
+          <a:fontRef idx="minor">
+            <a:schemeClr val="lt1"/>
+          </a:fontRef>
+        </p:style>
+        <p:txBody>
+          <a:bodyPr rtlCol="0" anchor="ctr"/>
+          <a:lstStyle/>
+          <a:p>
+            <a:pPr algn="ctr"/>
+            <a:endParaRPr lang="en-US"/>
+          </a:p>
+        </p:txBody>
+      </p:sp>
+      <p:sp>
+        <p:nvSpPr>
+          <p:cNvPr id="10" name="Oval 9"/>
+          <p:cNvSpPr/>
+          <p:nvPr/>
+        </p:nvSpPr>
+        <p:spPr>
+          <a:xfrm>
+            <a:off x="3048000" y="2476500"/>
+            <a:ext cx="2819400" cy="1600200"/>
+          </a:xfrm>
+          <a:prstGeom prst="ellipse">
+            <a:avLst/>
+          </a:prstGeom>
+        </p:spPr>
+        <p:style>
+          <a:lnRef idx="2">
+            <a:schemeClr val="accent1">
+              <a:shade val="50000"/>
+            </a:schemeClr>
+          </a:lnRef>
+          <a:fillRef idx="1">
+            <a:schemeClr val="accent1"/>
+          </a:fillRef>
+          <a:effectRef idx="0">
+            <a:schemeClr val="accent1"/>
+          </a:effectRef>
+          <a:fontRef idx="minor">
+            <a:schemeClr val="lt1"/>
+          </a:fontRef>
+        </p:style>
+        <p:txBody>
+          <a:bodyPr rtlCol="0" anchor="ctr"/>
+          <a:lstStyle/>
+          <a:p>
+            <a:pPr algn="ctr"/>
+            <a:r>
+              <a:rPr lang="en-US" dirty="0" err="1" smtClean="0"/>
+              <a:t>mysql</a:t>
+            </a:r>
+            <a:endParaRPr lang="en-US" dirty="0" smtClean="0"/>
+          </a:p>
+          <a:p>
+            <a:pPr algn="ctr"/>
+            <a:r>
+              <a:rPr lang="en-US" dirty="0" smtClean="0"/>
+              <a:t>/</a:t>
+            </a:r>
+            <a:r>
+              <a:rPr lang="en-US" dirty="0" err="1" smtClean="0"/>
+              <a:t>var</a:t>
+            </a:r>
+            <a:r>
+              <a:rPr lang="en-US" dirty="0" smtClean="0"/>
+              <a:t>/lib/</a:t>
+            </a:r>
+            <a:r>
+              <a:rPr lang="en-US" dirty="0" err="1" smtClean="0"/>
+              <a:t>mysql</a:t>
+            </a:r>
+            <a:endParaRPr lang="en-US" dirty="0"/>
+          </a:p>
+        </p:txBody>
+      </p:sp>
+      <p:sp>
+        <p:nvSpPr>
+          <p:cNvPr id="11" name="Rectangle 10"/>
+          <p:cNvSpPr/>
+          <p:nvPr/>
+        </p:nvSpPr>
+        <p:spPr>
+          <a:xfrm>
+            <a:off x="5486400" y="4686300"/>
+            <a:ext cx="4572000" cy="461665"/>
+          </a:xfrm>
+          <a:prstGeom prst="rect">
+            <a:avLst/>
+          </a:prstGeom>
+        </p:spPr>
+        <p:txBody>
+          <a:bodyPr>
+            <a:spAutoFit/>
+          </a:bodyPr>
+          <a:lstStyle/>
+          <a:p>
+            <a:r>
+              <a:rPr lang="en-US" sz="1200" dirty="0" smtClean="0"/>
+              <a:t>/</a:t>
+            </a:r>
+            <a:r>
+              <a:rPr lang="en-US" sz="1200" dirty="0" err="1" smtClean="0"/>
+              <a:t>var</a:t>
+            </a:r>
+            <a:r>
+              <a:rPr lang="en-US" sz="1200" dirty="0" smtClean="0"/>
+              <a:t>/lib/</a:t>
+            </a:r>
+            <a:r>
+              <a:rPr lang="en-US" sz="1200" dirty="0" err="1" smtClean="0"/>
+              <a:t>docker</a:t>
+            </a:r>
+            <a:r>
+              <a:rPr lang="en-US" sz="1200" dirty="0" smtClean="0"/>
+              <a:t>/volumes/1234565666767675e1bd76c2f3211491bb660561aff818c116e84e997d2e0c34</a:t>
+            </a:r>
+            <a:r>
+              <a:rPr lang="en-US" sz="1200" dirty="0" smtClean="0"/>
+              <a:t>/_</a:t>
+            </a:r>
+            <a:r>
+              <a:rPr lang="en-US" sz="1200" dirty="0" smtClean="0"/>
+              <a:t>data – 100 rows of data</a:t>
+            </a:r>
+            <a:endParaRPr lang="en-US" sz="1200" dirty="0"/>
+          </a:p>
+        </p:txBody>
+      </p:sp>
+      <p:sp>
+        <p:nvSpPr>
+          <p:cNvPr id="12" name="Down Arrow 11"/>
+          <p:cNvSpPr/>
+          <p:nvPr/>
+        </p:nvSpPr>
+        <p:spPr>
+          <a:xfrm>
+            <a:off x="4876800" y="3771900"/>
+            <a:ext cx="457200" cy="533400"/>
+          </a:xfrm>
+          <a:prstGeom prst="downArrow">
+            <a:avLst/>
+          </a:prstGeom>
+        </p:spPr>
+        <p:style>
+          <a:lnRef idx="2">
+            <a:schemeClr val="accent1">
+              <a:shade val="50000"/>
+            </a:schemeClr>
+          </a:lnRef>
+          <a:fillRef idx="1">
+            <a:schemeClr val="accent1"/>
+          </a:fillRef>
+          <a:effectRef idx="0">
+            <a:schemeClr val="accent1"/>
+          </a:effectRef>
+          <a:fontRef idx="minor">
+            <a:schemeClr val="lt1"/>
+          </a:fontRef>
+        </p:style>
+        <p:txBody>
+          <a:bodyPr rtlCol="0" anchor="ctr"/>
+          <a:lstStyle/>
+          <a:p>
+            <a:pPr algn="ctr"/>
+            <a:endParaRPr lang="en-US"/>
+          </a:p>
+        </p:txBody>
+      </p:sp>
+      <p:sp>
+        <p:nvSpPr>
+          <p:cNvPr id="13" name="Rectangle 12"/>
+          <p:cNvSpPr/>
+          <p:nvPr/>
+        </p:nvSpPr>
+        <p:spPr>
+          <a:xfrm>
+            <a:off x="3962400" y="4152900"/>
+            <a:ext cx="4572000" cy="276999"/>
+          </a:xfrm>
+          <a:prstGeom prst="rect">
+            <a:avLst/>
+          </a:prstGeom>
+        </p:spPr>
+        <p:txBody>
+          <a:bodyPr>
+            <a:spAutoFit/>
+          </a:bodyPr>
+          <a:lstStyle/>
+          <a:p>
+            <a:r>
+              <a:rPr lang="en-US" sz="1200" dirty="0" smtClean="0"/>
+              <a:t>/</a:t>
+            </a:r>
+            <a:r>
+              <a:rPr lang="en-US" sz="1200" dirty="0" err="1" smtClean="0"/>
+              <a:t>var</a:t>
+            </a:r>
+            <a:r>
+              <a:rPr lang="en-US" sz="1200" dirty="0" smtClean="0"/>
+              <a:t>/lib/</a:t>
+            </a:r>
+            <a:r>
+              <a:rPr lang="en-US" sz="1200" dirty="0" err="1" smtClean="0"/>
+              <a:t>docker</a:t>
+            </a:r>
+            <a:r>
+              <a:rPr lang="en-US" sz="1200" dirty="0" smtClean="0"/>
+              <a:t>/volumes/</a:t>
+            </a:r>
+            <a:r>
+              <a:rPr lang="en-US" sz="1200" dirty="0" err="1" smtClean="0"/>
+              <a:t>customerdb</a:t>
+            </a:r>
+            <a:r>
+              <a:rPr lang="en-US" sz="1200" dirty="0" smtClean="0"/>
+              <a:t>/_data</a:t>
+            </a:r>
+            <a:endParaRPr lang="en-US" sz="1200" dirty="0"/>
           </a:p>
         </p:txBody>
       </p:sp>

--- a/rough-diag.pptx
+++ b/rough-diag.pptx
@@ -5,7 +5,7 @@
     <p:sldMasterId id="2147483648" r:id="rId1"/>
   </p:sldMasterIdLst>
   <p:notesMasterIdLst>
-    <p:notesMasterId r:id="rId9"/>
+    <p:notesMasterId r:id="rId13"/>
   </p:notesMasterIdLst>
   <p:sldIdLst>
     <p:sldId id="700" r:id="rId2"/>
@@ -15,6 +15,10 @@
     <p:sldId id="704" r:id="rId6"/>
     <p:sldId id="705" r:id="rId7"/>
     <p:sldId id="706" r:id="rId8"/>
+    <p:sldId id="707" r:id="rId9"/>
+    <p:sldId id="710" r:id="rId10"/>
+    <p:sldId id="709" r:id="rId11"/>
+    <p:sldId id="708" r:id="rId12"/>
   </p:sldIdLst>
   <p:sldSz cx="9144000" cy="5715000" type="screen16x10"/>
   <p:notesSz cx="6858000" cy="9144000"/>
@@ -3724,6 +3728,560 @@
 </p:sld>
 </file>
 
+<file path=ppt/slides/slide10.xml><?xml version="1.0" encoding="utf-8"?>
+<p:sld xmlns:a="http://schemas.openxmlformats.org/drawingml/2006/main" xmlns:r="http://schemas.openxmlformats.org/officeDocument/2006/relationships" xmlns:p="http://schemas.openxmlformats.org/presentationml/2006/main">
+  <p:cSld>
+    <p:spTree>
+      <p:nvGrpSpPr>
+        <p:cNvPr id="1" name=""/>
+        <p:cNvGrpSpPr/>
+        <p:nvPr/>
+      </p:nvGrpSpPr>
+      <p:grpSpPr>
+        <a:xfrm>
+          <a:off x="0" y="0"/>
+          <a:ext cx="0" cy="0"/>
+          <a:chOff x="0" y="0"/>
+          <a:chExt cx="0" cy="0"/>
+        </a:xfrm>
+      </p:grpSpPr>
+    </p:spTree>
+  </p:cSld>
+  <p:clrMapOvr>
+    <a:masterClrMapping/>
+  </p:clrMapOvr>
+</p:sld>
+</file>
+
+<file path=ppt/slides/slide11.xml><?xml version="1.0" encoding="utf-8"?>
+<p:sld xmlns:a="http://schemas.openxmlformats.org/drawingml/2006/main" xmlns:r="http://schemas.openxmlformats.org/officeDocument/2006/relationships" xmlns:p="http://schemas.openxmlformats.org/presentationml/2006/main">
+  <p:cSld>
+    <p:spTree>
+      <p:nvGrpSpPr>
+        <p:cNvPr id="1" name=""/>
+        <p:cNvGrpSpPr/>
+        <p:nvPr/>
+      </p:nvGrpSpPr>
+      <p:grpSpPr>
+        <a:xfrm>
+          <a:off x="0" y="0"/>
+          <a:ext cx="0" cy="0"/>
+          <a:chOff x="0" y="0"/>
+          <a:chExt cx="0" cy="0"/>
+        </a:xfrm>
+      </p:grpSpPr>
+      <p:sp>
+        <p:nvSpPr>
+          <p:cNvPr id="2" name="Rectangle 1"/>
+          <p:cNvSpPr/>
+          <p:nvPr/>
+        </p:nvSpPr>
+        <p:spPr>
+          <a:xfrm>
+            <a:off x="2819400" y="114300"/>
+            <a:ext cx="6096000" cy="5105400"/>
+          </a:xfrm>
+          <a:prstGeom prst="rect">
+            <a:avLst/>
+          </a:prstGeom>
+          <a:noFill/>
+        </p:spPr>
+        <p:style>
+          <a:lnRef idx="2">
+            <a:schemeClr val="accent1">
+              <a:shade val="50000"/>
+            </a:schemeClr>
+          </a:lnRef>
+          <a:fillRef idx="1">
+            <a:schemeClr val="accent1"/>
+          </a:fillRef>
+          <a:effectRef idx="0">
+            <a:schemeClr val="accent1"/>
+          </a:effectRef>
+          <a:fontRef idx="minor">
+            <a:schemeClr val="lt1"/>
+          </a:fontRef>
+        </p:style>
+        <p:txBody>
+          <a:bodyPr rtlCol="0" anchor="ctr"/>
+          <a:lstStyle/>
+          <a:p>
+            <a:pPr algn="ctr"/>
+            <a:endParaRPr lang="en-US"/>
+          </a:p>
+        </p:txBody>
+      </p:sp>
+      <p:sp>
+        <p:nvSpPr>
+          <p:cNvPr id="3" name="TextBox 2"/>
+          <p:cNvSpPr txBox="1"/>
+          <p:nvPr/>
+        </p:nvSpPr>
+        <p:spPr>
+          <a:xfrm>
+            <a:off x="3657600" y="4152900"/>
+            <a:ext cx="1298753" cy="307777"/>
+          </a:xfrm>
+          <a:prstGeom prst="rect">
+            <a:avLst/>
+          </a:prstGeom>
+          <a:noFill/>
+        </p:spPr>
+        <p:txBody>
+          <a:bodyPr wrap="none" rtlCol="0">
+            <a:spAutoFit/>
+          </a:bodyPr>
+          <a:lstStyle/>
+          <a:p>
+            <a:r>
+              <a:rPr lang="en-US" sz="1400" dirty="0" smtClean="0"/>
+              <a:t>W1: 172.18.0.2</a:t>
+            </a:r>
+          </a:p>
+        </p:txBody>
+      </p:sp>
+      <p:sp>
+        <p:nvSpPr>
+          <p:cNvPr id="4" name="TextBox 3"/>
+          <p:cNvSpPr txBox="1"/>
+          <p:nvPr/>
+        </p:nvSpPr>
+        <p:spPr>
+          <a:xfrm>
+            <a:off x="6553200" y="4076700"/>
+            <a:ext cx="1279517" cy="523220"/>
+          </a:xfrm>
+          <a:prstGeom prst="rect">
+            <a:avLst/>
+          </a:prstGeom>
+          <a:noFill/>
+        </p:spPr>
+        <p:txBody>
+          <a:bodyPr wrap="none" rtlCol="0">
+            <a:spAutoFit/>
+          </a:bodyPr>
+          <a:lstStyle/>
+          <a:p>
+            <a:r>
+              <a:rPr lang="en-US" sz="1400" dirty="0" smtClean="0"/>
+              <a:t>Db: 172.18.0.3</a:t>
+            </a:r>
+          </a:p>
+          <a:p>
+            <a:r>
+              <a:rPr lang="en-US" sz="1400" dirty="0" smtClean="0"/>
+              <a:t> </a:t>
+            </a:r>
+            <a:r>
+              <a:rPr lang="en-US" sz="1400" dirty="0" smtClean="0"/>
+              <a:t>       172.19.0.3</a:t>
+            </a:r>
+            <a:endParaRPr lang="en-US" sz="1400" dirty="0"/>
+          </a:p>
+        </p:txBody>
+      </p:sp>
+      <p:sp>
+        <p:nvSpPr>
+          <p:cNvPr id="5" name="TextBox 4"/>
+          <p:cNvSpPr txBox="1"/>
+          <p:nvPr/>
+        </p:nvSpPr>
+        <p:spPr>
+          <a:xfrm>
+            <a:off x="4953000" y="266700"/>
+            <a:ext cx="1720471" cy="307777"/>
+          </a:xfrm>
+          <a:prstGeom prst="rect">
+            <a:avLst/>
+          </a:prstGeom>
+          <a:noFill/>
+        </p:spPr>
+        <p:txBody>
+          <a:bodyPr wrap="none" rtlCol="0">
+            <a:spAutoFit/>
+          </a:bodyPr>
+          <a:lstStyle/>
+          <a:p>
+            <a:r>
+              <a:rPr lang="en-US" sz="1400" dirty="0" smtClean="0"/>
+              <a:t>Bridge 172.17.0.0/16</a:t>
+            </a:r>
+            <a:endParaRPr lang="en-US" dirty="0"/>
+          </a:p>
+        </p:txBody>
+      </p:sp>
+      <p:cxnSp>
+        <p:nvCxnSpPr>
+          <p:cNvPr id="6" name="Straight Arrow Connector 5"/>
+          <p:cNvCxnSpPr>
+            <a:endCxn id="4" idx="1"/>
+          </p:cNvCxnSpPr>
+          <p:nvPr/>
+        </p:nvCxnSpPr>
+        <p:spPr>
+          <a:xfrm>
+            <a:off x="4953000" y="4229100"/>
+            <a:ext cx="1600200" cy="109210"/>
+          </a:xfrm>
+          <a:prstGeom prst="straightConnector1">
+            <a:avLst/>
+          </a:prstGeom>
+          <a:ln>
+            <a:headEnd type="arrow"/>
+            <a:tailEnd type="arrow"/>
+          </a:ln>
+        </p:spPr>
+        <p:style>
+          <a:lnRef idx="1">
+            <a:schemeClr val="accent1"/>
+          </a:lnRef>
+          <a:fillRef idx="0">
+            <a:schemeClr val="accent1"/>
+          </a:fillRef>
+          <a:effectRef idx="0">
+            <a:schemeClr val="accent1"/>
+          </a:effectRef>
+          <a:fontRef idx="minor">
+            <a:schemeClr val="tx1"/>
+          </a:fontRef>
+        </p:style>
+      </p:cxnSp>
+      <p:sp>
+        <p:nvSpPr>
+          <p:cNvPr id="7" name="TextBox 6"/>
+          <p:cNvSpPr txBox="1"/>
+          <p:nvPr/>
+        </p:nvSpPr>
+        <p:spPr>
+          <a:xfrm>
+            <a:off x="6096000" y="2324100"/>
+            <a:ext cx="1298753" cy="307777"/>
+          </a:xfrm>
+          <a:prstGeom prst="rect">
+            <a:avLst/>
+          </a:prstGeom>
+          <a:noFill/>
+        </p:spPr>
+        <p:txBody>
+          <a:bodyPr wrap="none" rtlCol="0">
+            <a:spAutoFit/>
+          </a:bodyPr>
+          <a:lstStyle/>
+          <a:p>
+            <a:r>
+              <a:rPr lang="en-US" sz="1400" dirty="0" smtClean="0"/>
+              <a:t>W2: 172.19.0.2</a:t>
+            </a:r>
+            <a:endParaRPr lang="en-US" sz="1400" dirty="0"/>
+          </a:p>
+        </p:txBody>
+      </p:sp>
+      <p:sp>
+        <p:nvSpPr>
+          <p:cNvPr id="10" name="TextBox 9"/>
+          <p:cNvSpPr txBox="1"/>
+          <p:nvPr/>
+        </p:nvSpPr>
+        <p:spPr>
+          <a:xfrm>
+            <a:off x="5181600" y="3009900"/>
+            <a:ext cx="311304" cy="369332"/>
+          </a:xfrm>
+          <a:prstGeom prst="rect">
+            <a:avLst/>
+          </a:prstGeom>
+          <a:noFill/>
+        </p:spPr>
+        <p:txBody>
+          <a:bodyPr wrap="none" rtlCol="0">
+            <a:spAutoFit/>
+          </a:bodyPr>
+          <a:lstStyle/>
+          <a:p>
+            <a:r>
+              <a:rPr lang="en-US" b="1" dirty="0" smtClean="0">
+                <a:solidFill>
+                  <a:srgbClr val="FF0000"/>
+                </a:solidFill>
+              </a:rPr>
+              <a:t>X</a:t>
+            </a:r>
+            <a:endParaRPr lang="en-US" b="1" dirty="0">
+              <a:solidFill>
+                <a:srgbClr val="FF0000"/>
+              </a:solidFill>
+            </a:endParaRPr>
+          </a:p>
+        </p:txBody>
+      </p:sp>
+      <p:sp>
+        <p:nvSpPr>
+          <p:cNvPr id="11" name="Cloud 10"/>
+          <p:cNvSpPr/>
+          <p:nvPr/>
+        </p:nvSpPr>
+        <p:spPr>
+          <a:xfrm>
+            <a:off x="2743200" y="419100"/>
+            <a:ext cx="5791200" cy="609600"/>
+          </a:xfrm>
+          <a:prstGeom prst="cloud">
+            <a:avLst/>
+          </a:prstGeom>
+          <a:noFill/>
+          <a:ln w="3175"/>
+        </p:spPr>
+        <p:style>
+          <a:lnRef idx="2">
+            <a:schemeClr val="accent1">
+              <a:shade val="50000"/>
+            </a:schemeClr>
+          </a:lnRef>
+          <a:fillRef idx="1">
+            <a:schemeClr val="accent1"/>
+          </a:fillRef>
+          <a:effectRef idx="0">
+            <a:schemeClr val="accent1"/>
+          </a:effectRef>
+          <a:fontRef idx="minor">
+            <a:schemeClr val="lt1"/>
+          </a:fontRef>
+        </p:style>
+        <p:txBody>
+          <a:bodyPr rtlCol="0" anchor="ctr"/>
+          <a:lstStyle/>
+          <a:p>
+            <a:pPr algn="ctr"/>
+            <a:endParaRPr lang="en-US"/>
+          </a:p>
+        </p:txBody>
+      </p:sp>
+      <p:sp>
+        <p:nvSpPr>
+          <p:cNvPr id="12" name="TextBox 11"/>
+          <p:cNvSpPr txBox="1"/>
+          <p:nvPr/>
+        </p:nvSpPr>
+        <p:spPr>
+          <a:xfrm>
+            <a:off x="3200400" y="3390900"/>
+            <a:ext cx="2044791" cy="307777"/>
+          </a:xfrm>
+          <a:prstGeom prst="rect">
+            <a:avLst/>
+          </a:prstGeom>
+          <a:noFill/>
+        </p:spPr>
+        <p:txBody>
+          <a:bodyPr wrap="none" rtlCol="0">
+            <a:spAutoFit/>
+          </a:bodyPr>
+          <a:lstStyle/>
+          <a:p>
+            <a:r>
+              <a:rPr lang="en-US" sz="1400" dirty="0" smtClean="0"/>
+              <a:t>W1-db-net 172.18.0.0/16</a:t>
+            </a:r>
+            <a:endParaRPr lang="en-US" dirty="0"/>
+          </a:p>
+        </p:txBody>
+      </p:sp>
+      <p:sp>
+        <p:nvSpPr>
+          <p:cNvPr id="13" name="Cloud 12"/>
+          <p:cNvSpPr/>
+          <p:nvPr/>
+        </p:nvSpPr>
+        <p:spPr>
+          <a:xfrm>
+            <a:off x="2895600" y="3314700"/>
+            <a:ext cx="5791200" cy="1828800"/>
+          </a:xfrm>
+          <a:prstGeom prst="cloud">
+            <a:avLst/>
+          </a:prstGeom>
+          <a:noFill/>
+          <a:ln w="3175"/>
+        </p:spPr>
+        <p:style>
+          <a:lnRef idx="2">
+            <a:schemeClr val="accent1">
+              <a:shade val="50000"/>
+            </a:schemeClr>
+          </a:lnRef>
+          <a:fillRef idx="1">
+            <a:schemeClr val="accent1"/>
+          </a:fillRef>
+          <a:effectRef idx="0">
+            <a:schemeClr val="accent1"/>
+          </a:effectRef>
+          <a:fontRef idx="minor">
+            <a:schemeClr val="lt1"/>
+          </a:fontRef>
+        </p:style>
+        <p:txBody>
+          <a:bodyPr rtlCol="0" anchor="ctr"/>
+          <a:lstStyle/>
+          <a:p>
+            <a:pPr algn="ctr"/>
+            <a:endParaRPr lang="en-US"/>
+          </a:p>
+        </p:txBody>
+      </p:sp>
+      <p:sp>
+        <p:nvSpPr>
+          <p:cNvPr id="24" name="TextBox 23"/>
+          <p:cNvSpPr txBox="1"/>
+          <p:nvPr/>
+        </p:nvSpPr>
+        <p:spPr>
+          <a:xfrm>
+            <a:off x="4953000" y="1943100"/>
+            <a:ext cx="2004716" cy="307777"/>
+          </a:xfrm>
+          <a:prstGeom prst="rect">
+            <a:avLst/>
+          </a:prstGeom>
+          <a:noFill/>
+        </p:spPr>
+        <p:txBody>
+          <a:bodyPr wrap="none" rtlCol="0">
+            <a:spAutoFit/>
+          </a:bodyPr>
+          <a:lstStyle/>
+          <a:p>
+            <a:r>
+              <a:rPr lang="en-US" sz="1400" dirty="0" smtClean="0"/>
+              <a:t>W2-db-net172.19.0.0/16</a:t>
+            </a:r>
+            <a:endParaRPr lang="en-US" dirty="0"/>
+          </a:p>
+        </p:txBody>
+      </p:sp>
+      <p:sp>
+        <p:nvSpPr>
+          <p:cNvPr id="25" name="Cloud 24"/>
+          <p:cNvSpPr/>
+          <p:nvPr/>
+        </p:nvSpPr>
+        <p:spPr>
+          <a:xfrm rot="5400000">
+            <a:off x="4838700" y="1981200"/>
+            <a:ext cx="4419600" cy="2514600"/>
+          </a:xfrm>
+          <a:prstGeom prst="cloud">
+            <a:avLst/>
+          </a:prstGeom>
+          <a:noFill/>
+          <a:ln w="3175"/>
+        </p:spPr>
+        <p:style>
+          <a:lnRef idx="2">
+            <a:schemeClr val="accent1">
+              <a:shade val="50000"/>
+            </a:schemeClr>
+          </a:lnRef>
+          <a:fillRef idx="1">
+            <a:schemeClr val="accent1"/>
+          </a:fillRef>
+          <a:effectRef idx="0">
+            <a:schemeClr val="accent1"/>
+          </a:effectRef>
+          <a:fontRef idx="minor">
+            <a:schemeClr val="lt1"/>
+          </a:fontRef>
+        </p:style>
+        <p:txBody>
+          <a:bodyPr rtlCol="0" anchor="ctr"/>
+          <a:lstStyle/>
+          <a:p>
+            <a:pPr algn="ctr"/>
+            <a:endParaRPr lang="en-US"/>
+          </a:p>
+        </p:txBody>
+      </p:sp>
+      <p:cxnSp>
+        <p:nvCxnSpPr>
+          <p:cNvPr id="27" name="Straight Arrow Connector 26"/>
+          <p:cNvCxnSpPr>
+            <a:stCxn id="7" idx="2"/>
+            <a:endCxn id="4" idx="0"/>
+          </p:cNvCxnSpPr>
+          <p:nvPr/>
+        </p:nvCxnSpPr>
+        <p:spPr>
+          <a:xfrm>
+            <a:off x="6745377" y="2631877"/>
+            <a:ext cx="447582" cy="1444823"/>
+          </a:xfrm>
+          <a:prstGeom prst="straightConnector1">
+            <a:avLst/>
+          </a:prstGeom>
+          <a:ln>
+            <a:headEnd type="arrow"/>
+            <a:tailEnd type="arrow"/>
+          </a:ln>
+        </p:spPr>
+        <p:style>
+          <a:lnRef idx="1">
+            <a:schemeClr val="accent1"/>
+          </a:lnRef>
+          <a:fillRef idx="0">
+            <a:schemeClr val="accent1"/>
+          </a:fillRef>
+          <a:effectRef idx="0">
+            <a:schemeClr val="accent1"/>
+          </a:effectRef>
+          <a:fontRef idx="minor">
+            <a:schemeClr val="tx1"/>
+          </a:fontRef>
+        </p:style>
+      </p:cxnSp>
+      <p:cxnSp>
+        <p:nvCxnSpPr>
+          <p:cNvPr id="29" name="Straight Arrow Connector 28"/>
+          <p:cNvCxnSpPr>
+            <a:stCxn id="3" idx="0"/>
+            <a:endCxn id="7" idx="1"/>
+          </p:cNvCxnSpPr>
+          <p:nvPr/>
+        </p:nvCxnSpPr>
+        <p:spPr>
+          <a:xfrm flipV="1">
+            <a:off x="4306977" y="2477989"/>
+            <a:ext cx="1789023" cy="1674911"/>
+          </a:xfrm>
+          <a:prstGeom prst="straightConnector1">
+            <a:avLst/>
+          </a:prstGeom>
+          <a:ln>
+            <a:headEnd type="arrow"/>
+            <a:tailEnd type="arrow"/>
+          </a:ln>
+        </p:spPr>
+        <p:style>
+          <a:lnRef idx="1">
+            <a:schemeClr val="accent1"/>
+          </a:lnRef>
+          <a:fillRef idx="0">
+            <a:schemeClr val="accent1"/>
+          </a:fillRef>
+          <a:effectRef idx="0">
+            <a:schemeClr val="accent1"/>
+          </a:effectRef>
+          <a:fontRef idx="minor">
+            <a:schemeClr val="tx1"/>
+          </a:fontRef>
+        </p:style>
+      </p:cxnSp>
+    </p:spTree>
+  </p:cSld>
+  <p:clrMapOvr>
+    <a:masterClrMapping/>
+  </p:clrMapOvr>
+</p:sld>
+</file>
+
 <file path=ppt/slides/slide2.xml><?xml version="1.0" encoding="utf-8"?>
 <p:sld xmlns:a="http://schemas.openxmlformats.org/drawingml/2006/main" xmlns:r="http://schemas.openxmlformats.org/officeDocument/2006/relationships" xmlns:p="http://schemas.openxmlformats.org/presentationml/2006/main">
   <p:cSld>
@@ -8423,6 +8981,824 @@
           </a:p>
         </p:txBody>
       </p:sp>
+    </p:spTree>
+  </p:cSld>
+  <p:clrMapOvr>
+    <a:masterClrMapping/>
+  </p:clrMapOvr>
+</p:sld>
+</file>
+
+<file path=ppt/slides/slide8.xml><?xml version="1.0" encoding="utf-8"?>
+<p:sld xmlns:a="http://schemas.openxmlformats.org/drawingml/2006/main" xmlns:r="http://schemas.openxmlformats.org/officeDocument/2006/relationships" xmlns:p="http://schemas.openxmlformats.org/presentationml/2006/main">
+  <p:cSld>
+    <p:spTree>
+      <p:nvGrpSpPr>
+        <p:cNvPr id="1" name=""/>
+        <p:cNvGrpSpPr/>
+        <p:nvPr/>
+      </p:nvGrpSpPr>
+      <p:grpSpPr>
+        <a:xfrm>
+          <a:off x="0" y="0"/>
+          <a:ext cx="0" cy="0"/>
+          <a:chOff x="0" y="0"/>
+          <a:chExt cx="0" cy="0"/>
+        </a:xfrm>
+      </p:grpSpPr>
+      <p:sp>
+        <p:nvSpPr>
+          <p:cNvPr id="2" name="Rectangle 1"/>
+          <p:cNvSpPr/>
+          <p:nvPr/>
+        </p:nvSpPr>
+        <p:spPr>
+          <a:xfrm>
+            <a:off x="2819400" y="190500"/>
+            <a:ext cx="6096000" cy="5105400"/>
+          </a:xfrm>
+          <a:prstGeom prst="rect">
+            <a:avLst/>
+          </a:prstGeom>
+          <a:noFill/>
+        </p:spPr>
+        <p:style>
+          <a:lnRef idx="2">
+            <a:schemeClr val="accent1">
+              <a:shade val="50000"/>
+            </a:schemeClr>
+          </a:lnRef>
+          <a:fillRef idx="1">
+            <a:schemeClr val="accent1"/>
+          </a:fillRef>
+          <a:effectRef idx="0">
+            <a:schemeClr val="accent1"/>
+          </a:effectRef>
+          <a:fontRef idx="minor">
+            <a:schemeClr val="lt1"/>
+          </a:fontRef>
+        </p:style>
+        <p:txBody>
+          <a:bodyPr rtlCol="0" anchor="ctr"/>
+          <a:lstStyle/>
+          <a:p>
+            <a:pPr algn="ctr"/>
+            <a:endParaRPr lang="en-US"/>
+          </a:p>
+        </p:txBody>
+      </p:sp>
+      <p:sp>
+        <p:nvSpPr>
+          <p:cNvPr id="3" name="TextBox 2"/>
+          <p:cNvSpPr txBox="1"/>
+          <p:nvPr/>
+        </p:nvSpPr>
+        <p:spPr>
+          <a:xfrm>
+            <a:off x="3200400" y="1257300"/>
+            <a:ext cx="3090911" cy="646331"/>
+          </a:xfrm>
+          <a:prstGeom prst="rect">
+            <a:avLst/>
+          </a:prstGeom>
+          <a:noFill/>
+        </p:spPr>
+        <p:txBody>
+          <a:bodyPr wrap="none" rtlCol="0">
+            <a:spAutoFit/>
+          </a:bodyPr>
+          <a:lstStyle/>
+          <a:p>
+            <a:r>
+              <a:rPr lang="en-US" dirty="0" smtClean="0"/>
+              <a:t>W1: 172.17.0.10</a:t>
+            </a:r>
+          </a:p>
+          <a:p>
+            <a:r>
+              <a:rPr lang="en-US" dirty="0" err="1" smtClean="0"/>
+              <a:t>j</a:t>
+            </a:r>
+            <a:r>
+              <a:rPr lang="en-US" dirty="0" err="1" smtClean="0"/>
+              <a:t>dbc:mysql</a:t>
+            </a:r>
+            <a:r>
+              <a:rPr lang="en-US" dirty="0" smtClean="0"/>
+              <a:t>://172.17.0.11:3306</a:t>
+            </a:r>
+            <a:endParaRPr lang="en-US" dirty="0"/>
+          </a:p>
+        </p:txBody>
+      </p:sp>
+      <p:sp>
+        <p:nvSpPr>
+          <p:cNvPr id="4" name="TextBox 3"/>
+          <p:cNvSpPr txBox="1"/>
+          <p:nvPr/>
+        </p:nvSpPr>
+        <p:spPr>
+          <a:xfrm>
+            <a:off x="6705600" y="1409700"/>
+            <a:ext cx="2204450" cy="369332"/>
+          </a:xfrm>
+          <a:prstGeom prst="rect">
+            <a:avLst/>
+          </a:prstGeom>
+          <a:noFill/>
+        </p:spPr>
+        <p:txBody>
+          <a:bodyPr wrap="none" rtlCol="0">
+            <a:spAutoFit/>
+          </a:bodyPr>
+          <a:lstStyle/>
+          <a:p>
+            <a:r>
+              <a:rPr lang="en-US" dirty="0" smtClean="0"/>
+              <a:t>Db: 172.17.0.15:3306</a:t>
+            </a:r>
+            <a:endParaRPr lang="en-US" dirty="0"/>
+          </a:p>
+        </p:txBody>
+      </p:sp>
+      <p:sp>
+        <p:nvSpPr>
+          <p:cNvPr id="5" name="TextBox 4"/>
+          <p:cNvSpPr txBox="1"/>
+          <p:nvPr/>
+        </p:nvSpPr>
+        <p:spPr>
+          <a:xfrm>
+            <a:off x="5486400" y="800100"/>
+            <a:ext cx="935449" cy="369332"/>
+          </a:xfrm>
+          <a:prstGeom prst="rect">
+            <a:avLst/>
+          </a:prstGeom>
+          <a:noFill/>
+        </p:spPr>
+        <p:txBody>
+          <a:bodyPr wrap="none" rtlCol="0">
+            <a:spAutoFit/>
+          </a:bodyPr>
+          <a:lstStyle/>
+          <a:p>
+            <a:r>
+              <a:rPr lang="en-US" dirty="0" smtClean="0"/>
+              <a:t>docker0</a:t>
+            </a:r>
+            <a:endParaRPr lang="en-US" dirty="0"/>
+          </a:p>
+        </p:txBody>
+      </p:sp>
+      <p:cxnSp>
+        <p:nvCxnSpPr>
+          <p:cNvPr id="7" name="Straight Arrow Connector 6"/>
+          <p:cNvCxnSpPr>
+            <a:stCxn id="3" idx="3"/>
+            <a:endCxn id="4" idx="1"/>
+          </p:cNvCxnSpPr>
+          <p:nvPr/>
+        </p:nvCxnSpPr>
+        <p:spPr>
+          <a:xfrm>
+            <a:off x="6291311" y="1580466"/>
+            <a:ext cx="414289" cy="13900"/>
+          </a:xfrm>
+          <a:prstGeom prst="straightConnector1">
+            <a:avLst/>
+          </a:prstGeom>
+          <a:ln>
+            <a:headEnd type="arrow"/>
+            <a:tailEnd type="arrow"/>
+          </a:ln>
+        </p:spPr>
+        <p:style>
+          <a:lnRef idx="1">
+            <a:schemeClr val="accent1"/>
+          </a:lnRef>
+          <a:fillRef idx="0">
+            <a:schemeClr val="accent1"/>
+          </a:fillRef>
+          <a:effectRef idx="0">
+            <a:schemeClr val="accent1"/>
+          </a:effectRef>
+          <a:fontRef idx="minor">
+            <a:schemeClr val="tx1"/>
+          </a:fontRef>
+        </p:style>
+      </p:cxnSp>
+      <p:sp>
+        <p:nvSpPr>
+          <p:cNvPr id="8" name="TextBox 7"/>
+          <p:cNvSpPr txBox="1"/>
+          <p:nvPr/>
+        </p:nvSpPr>
+        <p:spPr>
+          <a:xfrm>
+            <a:off x="3810000" y="2628900"/>
+            <a:ext cx="1731564" cy="369332"/>
+          </a:xfrm>
+          <a:prstGeom prst="rect">
+            <a:avLst/>
+          </a:prstGeom>
+          <a:noFill/>
+        </p:spPr>
+        <p:txBody>
+          <a:bodyPr wrap="none" rtlCol="0">
+            <a:spAutoFit/>
+          </a:bodyPr>
+          <a:lstStyle/>
+          <a:p>
+            <a:r>
+              <a:rPr lang="en-US" dirty="0" smtClean="0"/>
+              <a:t>W2: 172.17.0.12</a:t>
+            </a:r>
+            <a:endParaRPr lang="en-US" dirty="0"/>
+          </a:p>
+        </p:txBody>
+      </p:sp>
+      <p:cxnSp>
+        <p:nvCxnSpPr>
+          <p:cNvPr id="10" name="Straight Arrow Connector 9"/>
+          <p:cNvCxnSpPr>
+            <a:stCxn id="8" idx="3"/>
+            <a:endCxn id="4" idx="2"/>
+          </p:cNvCxnSpPr>
+          <p:nvPr/>
+        </p:nvCxnSpPr>
+        <p:spPr>
+          <a:xfrm flipV="1">
+            <a:off x="5541564" y="1779032"/>
+            <a:ext cx="2266261" cy="1034534"/>
+          </a:xfrm>
+          <a:prstGeom prst="straightConnector1">
+            <a:avLst/>
+          </a:prstGeom>
+          <a:ln>
+            <a:headEnd type="arrow"/>
+            <a:tailEnd type="arrow"/>
+          </a:ln>
+        </p:spPr>
+        <p:style>
+          <a:lnRef idx="1">
+            <a:schemeClr val="accent1"/>
+          </a:lnRef>
+          <a:fillRef idx="0">
+            <a:schemeClr val="accent1"/>
+          </a:fillRef>
+          <a:effectRef idx="0">
+            <a:schemeClr val="accent1"/>
+          </a:effectRef>
+          <a:fontRef idx="minor">
+            <a:schemeClr val="tx1"/>
+          </a:fontRef>
+        </p:style>
+      </p:cxnSp>
+      <p:sp>
+        <p:nvSpPr>
+          <p:cNvPr id="11" name="TextBox 10"/>
+          <p:cNvSpPr txBox="1"/>
+          <p:nvPr/>
+        </p:nvSpPr>
+        <p:spPr>
+          <a:xfrm>
+            <a:off x="152400" y="495300"/>
+            <a:ext cx="2667000" cy="1200329"/>
+          </a:xfrm>
+          <a:prstGeom prst="rect">
+            <a:avLst/>
+          </a:prstGeom>
+          <a:noFill/>
+        </p:spPr>
+        <p:txBody>
+          <a:bodyPr wrap="square" rtlCol="0">
+            <a:spAutoFit/>
+          </a:bodyPr>
+          <a:lstStyle/>
+          <a:p>
+            <a:pPr marL="342900" indent="-342900">
+              <a:buAutoNum type="arabicPeriod"/>
+            </a:pPr>
+            <a:r>
+              <a:rPr lang="en-US" dirty="0" smtClean="0"/>
+              <a:t>Better n/w isolation</a:t>
+            </a:r>
+          </a:p>
+          <a:p>
+            <a:pPr marL="342900" indent="-342900">
+              <a:buAutoNum type="arabicPeriod"/>
+            </a:pPr>
+            <a:r>
+              <a:rPr lang="en-US" dirty="0" err="1" smtClean="0"/>
+              <a:t>Dns</a:t>
+            </a:r>
+            <a:r>
+              <a:rPr lang="en-US" dirty="0" smtClean="0"/>
+              <a:t> – use some name to connect to db and not an IP</a:t>
+            </a:r>
+            <a:endParaRPr lang="en-US" dirty="0"/>
+          </a:p>
+        </p:txBody>
+      </p:sp>
+      <p:cxnSp>
+        <p:nvCxnSpPr>
+          <p:cNvPr id="13" name="Straight Arrow Connector 12"/>
+          <p:cNvCxnSpPr>
+            <a:stCxn id="3" idx="2"/>
+            <a:endCxn id="8" idx="0"/>
+          </p:cNvCxnSpPr>
+          <p:nvPr/>
+        </p:nvCxnSpPr>
+        <p:spPr>
+          <a:xfrm flipH="1">
+            <a:off x="4675782" y="1903631"/>
+            <a:ext cx="70074" cy="725269"/>
+          </a:xfrm>
+          <a:prstGeom prst="straightConnector1">
+            <a:avLst/>
+          </a:prstGeom>
+          <a:ln>
+            <a:headEnd type="arrow"/>
+            <a:tailEnd type="arrow"/>
+          </a:ln>
+        </p:spPr>
+        <p:style>
+          <a:lnRef idx="1">
+            <a:schemeClr val="accent1"/>
+          </a:lnRef>
+          <a:fillRef idx="0">
+            <a:schemeClr val="accent1"/>
+          </a:fillRef>
+          <a:effectRef idx="0">
+            <a:schemeClr val="accent1"/>
+          </a:effectRef>
+          <a:fontRef idx="minor">
+            <a:schemeClr val="tx1"/>
+          </a:fontRef>
+        </p:style>
+      </p:cxnSp>
+      <p:sp>
+        <p:nvSpPr>
+          <p:cNvPr id="14" name="TextBox 13"/>
+          <p:cNvSpPr txBox="1"/>
+          <p:nvPr/>
+        </p:nvSpPr>
+        <p:spPr>
+          <a:xfrm>
+            <a:off x="4191000" y="2171700"/>
+            <a:ext cx="311304" cy="369332"/>
+          </a:xfrm>
+          <a:prstGeom prst="rect">
+            <a:avLst/>
+          </a:prstGeom>
+          <a:noFill/>
+        </p:spPr>
+        <p:txBody>
+          <a:bodyPr wrap="none" rtlCol="0">
+            <a:spAutoFit/>
+          </a:bodyPr>
+          <a:lstStyle/>
+          <a:p>
+            <a:r>
+              <a:rPr lang="en-US" b="1" dirty="0" smtClean="0">
+                <a:solidFill>
+                  <a:srgbClr val="FF0000"/>
+                </a:solidFill>
+              </a:rPr>
+              <a:t>X</a:t>
+            </a:r>
+            <a:endParaRPr lang="en-US" b="1" dirty="0">
+              <a:solidFill>
+                <a:srgbClr val="FF0000"/>
+              </a:solidFill>
+            </a:endParaRPr>
+          </a:p>
+        </p:txBody>
+      </p:sp>
+    </p:spTree>
+  </p:cSld>
+  <p:clrMapOvr>
+    <a:masterClrMapping/>
+  </p:clrMapOvr>
+</p:sld>
+</file>
+
+<file path=ppt/slides/slide9.xml><?xml version="1.0" encoding="utf-8"?>
+<p:sld xmlns:a="http://schemas.openxmlformats.org/drawingml/2006/main" xmlns:r="http://schemas.openxmlformats.org/officeDocument/2006/relationships" xmlns:p="http://schemas.openxmlformats.org/presentationml/2006/main">
+  <p:cSld>
+    <p:spTree>
+      <p:nvGrpSpPr>
+        <p:cNvPr id="1" name=""/>
+        <p:cNvGrpSpPr/>
+        <p:nvPr/>
+      </p:nvGrpSpPr>
+      <p:grpSpPr>
+        <a:xfrm>
+          <a:off x="0" y="0"/>
+          <a:ext cx="0" cy="0"/>
+          <a:chOff x="0" y="0"/>
+          <a:chExt cx="0" cy="0"/>
+        </a:xfrm>
+      </p:grpSpPr>
+      <p:sp>
+        <p:nvSpPr>
+          <p:cNvPr id="2" name="Rectangle 1"/>
+          <p:cNvSpPr/>
+          <p:nvPr/>
+        </p:nvSpPr>
+        <p:spPr>
+          <a:xfrm>
+            <a:off x="2819400" y="114300"/>
+            <a:ext cx="6096000" cy="5105400"/>
+          </a:xfrm>
+          <a:prstGeom prst="rect">
+            <a:avLst/>
+          </a:prstGeom>
+          <a:noFill/>
+        </p:spPr>
+        <p:style>
+          <a:lnRef idx="2">
+            <a:schemeClr val="accent1">
+              <a:shade val="50000"/>
+            </a:schemeClr>
+          </a:lnRef>
+          <a:fillRef idx="1">
+            <a:schemeClr val="accent1"/>
+          </a:fillRef>
+          <a:effectRef idx="0">
+            <a:schemeClr val="accent1"/>
+          </a:effectRef>
+          <a:fontRef idx="minor">
+            <a:schemeClr val="lt1"/>
+          </a:fontRef>
+        </p:style>
+        <p:txBody>
+          <a:bodyPr rtlCol="0" anchor="ctr"/>
+          <a:lstStyle/>
+          <a:p>
+            <a:pPr algn="ctr"/>
+            <a:endParaRPr lang="en-US"/>
+          </a:p>
+        </p:txBody>
+      </p:sp>
+      <p:sp>
+        <p:nvSpPr>
+          <p:cNvPr id="3" name="Oval 2"/>
+          <p:cNvSpPr/>
+          <p:nvPr/>
+        </p:nvSpPr>
+        <p:spPr>
+          <a:xfrm>
+            <a:off x="6400800" y="1562100"/>
+            <a:ext cx="1676400" cy="838200"/>
+          </a:xfrm>
+          <a:prstGeom prst="ellipse">
+            <a:avLst/>
+          </a:prstGeom>
+        </p:spPr>
+        <p:style>
+          <a:lnRef idx="2">
+            <a:schemeClr val="accent1">
+              <a:shade val="50000"/>
+            </a:schemeClr>
+          </a:lnRef>
+          <a:fillRef idx="1">
+            <a:schemeClr val="accent1"/>
+          </a:fillRef>
+          <a:effectRef idx="0">
+            <a:schemeClr val="accent1"/>
+          </a:effectRef>
+          <a:fontRef idx="minor">
+            <a:schemeClr val="lt1"/>
+          </a:fontRef>
+        </p:style>
+        <p:txBody>
+          <a:bodyPr rtlCol="0" anchor="ctr"/>
+          <a:lstStyle/>
+          <a:p>
+            <a:pPr algn="ctr"/>
+            <a:r>
+              <a:rPr lang="en-US" dirty="0" smtClean="0"/>
+              <a:t>Mysql:3306</a:t>
+            </a:r>
+            <a:endParaRPr lang="en-US" dirty="0"/>
+          </a:p>
+        </p:txBody>
+      </p:sp>
+      <p:sp>
+        <p:nvSpPr>
+          <p:cNvPr id="4" name="Down Arrow 3"/>
+          <p:cNvSpPr/>
+          <p:nvPr/>
+        </p:nvSpPr>
+        <p:spPr>
+          <a:xfrm>
+            <a:off x="7696200" y="2247900"/>
+            <a:ext cx="457200" cy="304800"/>
+          </a:xfrm>
+          <a:prstGeom prst="downArrow">
+            <a:avLst/>
+          </a:prstGeom>
+        </p:spPr>
+        <p:style>
+          <a:lnRef idx="2">
+            <a:schemeClr val="accent1">
+              <a:shade val="50000"/>
+            </a:schemeClr>
+          </a:lnRef>
+          <a:fillRef idx="1">
+            <a:schemeClr val="accent1"/>
+          </a:fillRef>
+          <a:effectRef idx="0">
+            <a:schemeClr val="accent1"/>
+          </a:effectRef>
+          <a:fontRef idx="minor">
+            <a:schemeClr val="lt1"/>
+          </a:fontRef>
+        </p:style>
+        <p:txBody>
+          <a:bodyPr rtlCol="0" anchor="ctr"/>
+          <a:lstStyle/>
+          <a:p>
+            <a:pPr algn="ctr"/>
+            <a:endParaRPr lang="en-US"/>
+          </a:p>
+        </p:txBody>
+      </p:sp>
+      <p:sp>
+        <p:nvSpPr>
+          <p:cNvPr id="5" name="TextBox 4"/>
+          <p:cNvSpPr txBox="1"/>
+          <p:nvPr/>
+        </p:nvSpPr>
+        <p:spPr>
+          <a:xfrm>
+            <a:off x="7391400" y="2476500"/>
+            <a:ext cx="1152880" cy="369332"/>
+          </a:xfrm>
+          <a:prstGeom prst="rect">
+            <a:avLst/>
+          </a:prstGeom>
+          <a:noFill/>
+        </p:spPr>
+        <p:txBody>
+          <a:bodyPr wrap="none" rtlCol="0">
+            <a:spAutoFit/>
+          </a:bodyPr>
+          <a:lstStyle/>
+          <a:p>
+            <a:r>
+              <a:rPr lang="en-US" dirty="0" smtClean="0"/>
+              <a:t>/</a:t>
+            </a:r>
+            <a:r>
+              <a:rPr lang="en-US" dirty="0" err="1" smtClean="0"/>
+              <a:t>tmp</a:t>
+            </a:r>
+            <a:r>
+              <a:rPr lang="en-US" dirty="0" smtClean="0"/>
+              <a:t>/blog</a:t>
+            </a:r>
+            <a:endParaRPr lang="en-US" dirty="0"/>
+          </a:p>
+        </p:txBody>
+      </p:sp>
+      <p:sp>
+        <p:nvSpPr>
+          <p:cNvPr id="6" name="Oval 5"/>
+          <p:cNvSpPr/>
+          <p:nvPr/>
+        </p:nvSpPr>
+        <p:spPr>
+          <a:xfrm>
+            <a:off x="3429000" y="1638300"/>
+            <a:ext cx="1905000" cy="1143000"/>
+          </a:xfrm>
+          <a:prstGeom prst="ellipse">
+            <a:avLst/>
+          </a:prstGeom>
+        </p:spPr>
+        <p:style>
+          <a:lnRef idx="2">
+            <a:schemeClr val="accent1">
+              <a:shade val="50000"/>
+            </a:schemeClr>
+          </a:lnRef>
+          <a:fillRef idx="1">
+            <a:schemeClr val="accent1"/>
+          </a:fillRef>
+          <a:effectRef idx="0">
+            <a:schemeClr val="accent1"/>
+          </a:effectRef>
+          <a:fontRef idx="minor">
+            <a:schemeClr val="lt1"/>
+          </a:fontRef>
+        </p:style>
+        <p:txBody>
+          <a:bodyPr rtlCol="0" anchor="ctr"/>
+          <a:lstStyle/>
+          <a:p>
+            <a:pPr algn="ctr"/>
+            <a:r>
+              <a:rPr lang="en-US" dirty="0" smtClean="0"/>
+              <a:t>Ghost</a:t>
+            </a:r>
+          </a:p>
+          <a:p>
+            <a:pPr algn="ctr"/>
+            <a:r>
+              <a:rPr lang="en-US" dirty="0" err="1" smtClean="0"/>
+              <a:t>Db_host</a:t>
+            </a:r>
+            <a:r>
+              <a:rPr lang="en-US" dirty="0" smtClean="0"/>
+              <a:t>:  blog-db</a:t>
+            </a:r>
+          </a:p>
+          <a:p>
+            <a:pPr algn="ctr"/>
+            <a:r>
+              <a:rPr lang="en-US" dirty="0" smtClean="0"/>
+              <a:t>Port: 3306</a:t>
+            </a:r>
+            <a:endParaRPr lang="en-US" dirty="0"/>
+          </a:p>
+        </p:txBody>
+      </p:sp>
+      <p:sp>
+        <p:nvSpPr>
+          <p:cNvPr id="7" name="Cloud 6"/>
+          <p:cNvSpPr/>
+          <p:nvPr/>
+        </p:nvSpPr>
+        <p:spPr>
+          <a:xfrm>
+            <a:off x="3200400" y="723900"/>
+            <a:ext cx="4953000" cy="4114800"/>
+          </a:xfrm>
+          <a:prstGeom prst="cloud">
+            <a:avLst/>
+          </a:prstGeom>
+          <a:noFill/>
+        </p:spPr>
+        <p:style>
+          <a:lnRef idx="2">
+            <a:schemeClr val="accent1">
+              <a:shade val="50000"/>
+            </a:schemeClr>
+          </a:lnRef>
+          <a:fillRef idx="1">
+            <a:schemeClr val="accent1"/>
+          </a:fillRef>
+          <a:effectRef idx="0">
+            <a:schemeClr val="accent1"/>
+          </a:effectRef>
+          <a:fontRef idx="minor">
+            <a:schemeClr val="lt1"/>
+          </a:fontRef>
+        </p:style>
+        <p:txBody>
+          <a:bodyPr rtlCol="0" anchor="ctr"/>
+          <a:lstStyle/>
+          <a:p>
+            <a:pPr algn="ctr"/>
+            <a:endParaRPr lang="en-US"/>
+          </a:p>
+        </p:txBody>
+      </p:sp>
+      <p:sp>
+        <p:nvSpPr>
+          <p:cNvPr id="8" name="TextBox 7"/>
+          <p:cNvSpPr txBox="1"/>
+          <p:nvPr/>
+        </p:nvSpPr>
+        <p:spPr>
+          <a:xfrm>
+            <a:off x="6781800" y="1181100"/>
+            <a:ext cx="907621" cy="369332"/>
+          </a:xfrm>
+          <a:prstGeom prst="rect">
+            <a:avLst/>
+          </a:prstGeom>
+          <a:noFill/>
+        </p:spPr>
+        <p:txBody>
+          <a:bodyPr wrap="none" rtlCol="0">
+            <a:spAutoFit/>
+          </a:bodyPr>
+          <a:lstStyle/>
+          <a:p>
+            <a:r>
+              <a:rPr lang="en-US" dirty="0" smtClean="0"/>
+              <a:t>Blog-db</a:t>
+            </a:r>
+            <a:endParaRPr lang="en-US" dirty="0"/>
+          </a:p>
+        </p:txBody>
+      </p:sp>
+      <p:sp>
+        <p:nvSpPr>
+          <p:cNvPr id="9" name="TextBox 8"/>
+          <p:cNvSpPr txBox="1"/>
+          <p:nvPr/>
+        </p:nvSpPr>
+        <p:spPr>
+          <a:xfrm>
+            <a:off x="3816779" y="1257300"/>
+            <a:ext cx="1180772" cy="369332"/>
+          </a:xfrm>
+          <a:prstGeom prst="rect">
+            <a:avLst/>
+          </a:prstGeom>
+          <a:noFill/>
+        </p:spPr>
+        <p:txBody>
+          <a:bodyPr wrap="none" rtlCol="0">
+            <a:spAutoFit/>
+          </a:bodyPr>
+          <a:lstStyle/>
+          <a:p>
+            <a:r>
+              <a:rPr lang="en-US" dirty="0" smtClean="0"/>
+              <a:t>Blog-ghost</a:t>
+            </a:r>
+            <a:endParaRPr lang="en-US" dirty="0"/>
+          </a:p>
+        </p:txBody>
+      </p:sp>
+      <p:cxnSp>
+        <p:nvCxnSpPr>
+          <p:cNvPr id="11" name="Straight Arrow Connector 10"/>
+          <p:cNvCxnSpPr>
+            <a:stCxn id="9" idx="1"/>
+          </p:cNvCxnSpPr>
+          <p:nvPr/>
+        </p:nvCxnSpPr>
+        <p:spPr>
+          <a:xfrm flipH="1">
+            <a:off x="2286000" y="1441966"/>
+            <a:ext cx="1530779" cy="43934"/>
+          </a:xfrm>
+          <a:prstGeom prst="straightConnector1">
+            <a:avLst/>
+          </a:prstGeom>
+          <a:ln>
+            <a:tailEnd type="arrow"/>
+          </a:ln>
+        </p:spPr>
+        <p:style>
+          <a:lnRef idx="1">
+            <a:schemeClr val="accent1"/>
+          </a:lnRef>
+          <a:fillRef idx="0">
+            <a:schemeClr val="accent1"/>
+          </a:fillRef>
+          <a:effectRef idx="0">
+            <a:schemeClr val="accent1"/>
+          </a:effectRef>
+          <a:fontRef idx="minor">
+            <a:schemeClr val="tx1"/>
+          </a:fontRef>
+        </p:style>
+      </p:cxnSp>
+      <p:cxnSp>
+        <p:nvCxnSpPr>
+          <p:cNvPr id="13" name="Straight Arrow Connector 12"/>
+          <p:cNvCxnSpPr>
+            <a:stCxn id="6" idx="6"/>
+            <a:endCxn id="3" idx="2"/>
+          </p:cNvCxnSpPr>
+          <p:nvPr/>
+        </p:nvCxnSpPr>
+        <p:spPr>
+          <a:xfrm flipV="1">
+            <a:off x="5334000" y="1981200"/>
+            <a:ext cx="1066800" cy="228600"/>
+          </a:xfrm>
+          <a:prstGeom prst="straightConnector1">
+            <a:avLst/>
+          </a:prstGeom>
+          <a:ln>
+            <a:headEnd type="arrow"/>
+            <a:tailEnd type="arrow"/>
+          </a:ln>
+        </p:spPr>
+        <p:style>
+          <a:lnRef idx="1">
+            <a:schemeClr val="accent1"/>
+          </a:lnRef>
+          <a:fillRef idx="0">
+            <a:schemeClr val="accent1"/>
+          </a:fillRef>
+          <a:effectRef idx="0">
+            <a:schemeClr val="accent1"/>
+          </a:effectRef>
+          <a:fontRef idx="minor">
+            <a:schemeClr val="tx1"/>
+          </a:fontRef>
+        </p:style>
+      </p:cxnSp>
     </p:spTree>
   </p:cSld>
   <p:clrMapOvr>
